--- a/Random Chat.pptx
+++ b/Random Chat.pptx
@@ -2,7 +2,7 @@
 <file path=ppt/presentation.xml><?xml version="1.0" encoding="utf-8"?>
 <p:presentation xmlns:r="http://schemas.openxmlformats.org/officeDocument/2006/relationships" xmlns:c="http://schemas.openxmlformats.org/drawingml/2006/chart" xmlns:a="http://schemas.openxmlformats.org/drawingml/2006/main" xmlns:dgm="http://schemas.openxmlformats.org/drawingml/2006/diagram" xmlns:dsp="http://schemas.microsoft.com/office/drawing/2008/diagram" xmlns:p="http://schemas.openxmlformats.org/presentationml/2006/main" saveSubsetFonts="1">
   <p:sldMasterIdLst>
-    <p:sldMasterId id="2147483744" r:id="rId1"/>
+    <p:sldMasterId id="2147483741" r:id="rId1"/>
   </p:sldMasterIdLst>
   <p:sldIdLst>
     <p:sldId id="256" r:id="rId2"/>
@@ -13606,7 +13606,7 @@
               <a:pPr>
                 <a:defRPr lang="ko-KR" altLang="en-US"/>
               </a:pPr>
-              <a:t>2020-05-13</a:t>
+              <a:t>2020-05-14</a:t>
             </a:fld>
             <a:endParaRPr lang="ko-KR" altLang="en-US"/>
           </a:p>
@@ -18220,7 +18220,7 @@
               <a:pPr>
                 <a:defRPr lang="ko-KR" altLang="en-US"/>
               </a:pPr>
-              <a:t>2020-05-13</a:t>
+              <a:t>2020-05-14</a:t>
             </a:fld>
             <a:endParaRPr lang="ko-KR" altLang="en-US"/>
           </a:p>
@@ -24825,7 +24825,7 @@
               <a:pPr>
                 <a:defRPr lang="ko-KR" altLang="en-US"/>
               </a:pPr>
-              <a:t>2020-05-13</a:t>
+              <a:t>2020-05-14</a:t>
             </a:fld>
             <a:endParaRPr lang="ko-KR" altLang="en-US"/>
           </a:p>
@@ -25141,7 +25141,7 @@
               <a:pPr>
                 <a:defRPr lang="ko-KR" altLang="en-US"/>
               </a:pPr>
-              <a:t>2020-05-13</a:t>
+              <a:t>2020-05-14</a:t>
             </a:fld>
             <a:endParaRPr lang="ko-KR" altLang="en-US"/>
           </a:p>
@@ -33349,7 +33349,7 @@
               <a:pPr>
                 <a:defRPr lang="ko-KR" altLang="en-US"/>
               </a:pPr>
-              <a:t>2020-05-13</a:t>
+              <a:t>2020-05-14</a:t>
             </a:fld>
             <a:endParaRPr lang="ko-KR" altLang="en-US"/>
           </a:p>
@@ -33911,7 +33911,7 @@
               <a:pPr>
                 <a:defRPr lang="ko-KR" altLang="en-US"/>
               </a:pPr>
-              <a:t>2020-05-13</a:t>
+              <a:t>2020-05-14</a:t>
             </a:fld>
             <a:endParaRPr lang="ko-KR" altLang="en-US"/>
           </a:p>
@@ -34083,7 +34083,7 @@
               <a:pPr>
                 <a:defRPr lang="ko-KR" altLang="en-US"/>
               </a:pPr>
-              <a:t>2020-05-13</a:t>
+              <a:t>2020-05-14</a:t>
             </a:fld>
             <a:endParaRPr lang="ko-KR" altLang="en-US"/>
           </a:p>
@@ -34615,7 +34615,7 @@
               <a:pPr>
                 <a:defRPr lang="ko-KR" altLang="en-US"/>
               </a:pPr>
-              <a:t>2020-05-13</a:t>
+              <a:t>2020-05-14</a:t>
             </a:fld>
             <a:endParaRPr lang="ko-KR" altLang="en-US"/>
           </a:p>
@@ -41310,7 +41310,7 @@
               <a:pPr>
                 <a:defRPr lang="ko-KR" altLang="en-US"/>
               </a:pPr>
-              <a:t>2020-05-13</a:t>
+              <a:t>2020-05-14</a:t>
             </a:fld>
             <a:endParaRPr lang="ko-KR" altLang="en-US"/>
           </a:p>
@@ -50090,13 +50090,24 @@
             <a:spLocks noGrp="1"/>
           </p:cNvSpPr>
           <p:nvPr>
-            <p:ph idx="1"/>
+            <p:ph sz="half" idx="1"/>
           </p:nvPr>
         </p:nvSpPr>
         <p:spPr/>
         <p:txBody>
           <a:bodyPr/>
           <a:lstStyle/>
+          <a:p>
+            <a:pPr>
+              <a:buNone/>
+              <a:defRPr lang="ko-KR" altLang="en-US"/>
+            </a:pPr>
+            <a:r>
+              <a:rPr lang="en-US" altLang="ko-KR"/>
+              <a:t>Visible Dialog</a:t>
+            </a:r>
+            <a:endParaRPr lang="en-US" altLang="ko-KR"/>
+          </a:p>
           <a:p>
             <a:pPr>
               <a:defRPr lang="ko-KR" altLang="en-US"/>
@@ -50136,6 +50147,68 @@
               <a:t>채팅</a:t>
             </a:r>
             <a:endParaRPr lang="ko-KR" altLang="en-US"/>
+          </a:p>
+        </p:txBody>
+      </p:sp>
+      <p:sp>
+        <p:nvSpPr>
+          <p:cNvPr id="4" name=""/>
+          <p:cNvSpPr>
+            <a:spLocks noGrp="1"/>
+          </p:cNvSpPr>
+          <p:nvPr>
+            <p:ph sz="half" idx="2"/>
+          </p:nvPr>
+        </p:nvSpPr>
+        <p:spPr/>
+        <p:txBody>
+          <a:bodyPr/>
+          <a:lstStyle/>
+          <a:p>
+            <a:pPr>
+              <a:defRPr lang="ko-KR" altLang="en-US"/>
+            </a:pPr>
+            <a:r>
+              <a:rPr lang="en-US" altLang="ko-KR"/>
+              <a:t>Invisible Dialog</a:t>
+            </a:r>
+            <a:endParaRPr lang="en-US" altLang="ko-KR"/>
+          </a:p>
+          <a:p>
+            <a:pPr>
+              <a:defRPr lang="ko-KR" altLang="en-US"/>
+            </a:pPr>
+            <a:r>
+              <a:rPr lang="en-US" altLang="ko-KR"/>
+              <a:t>UDP</a:t>
+            </a:r>
+            <a:r>
+              <a:rPr lang="ko-KR" altLang="en-US"/>
+              <a:t> 수신용 </a:t>
+            </a:r>
+            <a:r>
+              <a:rPr lang="en-US" altLang="ko-KR"/>
+              <a:t>Dialog</a:t>
+            </a:r>
+            <a:endParaRPr lang="en-US" altLang="ko-KR"/>
+          </a:p>
+          <a:p>
+            <a:pPr>
+              <a:defRPr lang="ko-KR" altLang="en-US"/>
+            </a:pPr>
+            <a:r>
+              <a:rPr lang="en-US" altLang="ko-KR"/>
+              <a:t>TCP </a:t>
+            </a:r>
+            <a:r>
+              <a:rPr lang="ko-KR" altLang="en-US"/>
+              <a:t>수신용 </a:t>
+            </a:r>
+            <a:r>
+              <a:rPr lang="en-US" altLang="ko-KR"/>
+              <a:t>Dialog</a:t>
+            </a:r>
+            <a:endParaRPr lang="en-US" altLang="ko-KR"/>
           </a:p>
         </p:txBody>
       </p:sp>
